--- a/experiments/experiment_008/experiment_008.pptx
+++ b/experiments/experiment_008/experiment_008.pptx
@@ -3416,7 +3416,7 @@
         </p:nvSpPr>
         <p:spPr>
           <a:xfrm>
-            <a:off x="2101197" y="4754776"/>
+            <a:off x="2101197" y="4682587"/>
             <a:ext cx="981038" cy="169277"/>
           </a:xfrm>
           <a:prstGeom prst="rect">
@@ -3469,7 +3469,7 @@
           <a:solidFill>
             <a:srgbClr val="993366"/>
           </a:solidFill>
-          <a:ln w="9525">
+          <a:ln w="6350">
             <a:solidFill>
               <a:schemeClr val="tx1"/>
             </a:solidFill>
@@ -3514,7 +3514,7 @@
         </p:nvSpPr>
         <p:spPr>
           <a:xfrm>
-            <a:off x="3146229" y="4747083"/>
+            <a:off x="3146229" y="4674894"/>
             <a:ext cx="372818" cy="184666"/>
           </a:xfrm>
           <a:prstGeom prst="rightArrow">
@@ -3526,7 +3526,7 @@
           <a:solidFill>
             <a:srgbClr val="00FF00"/>
           </a:solidFill>
-          <a:ln w="9525">
+          <a:ln w="6350">
             <a:solidFill>
               <a:schemeClr val="tx1"/>
             </a:solidFill>

--- a/experiments/experiment_008/experiment_008.pptx
+++ b/experiments/experiment_008/experiment_008.pptx
@@ -112,6 +112,35 @@
 </p:presentation>
 </file>
 
+<file path=ppt/changesInfos/changesInfo1.xml><?xml version="1.0" encoding="utf-8"?>
+<pc:chgInfo xmlns:a="http://schemas.openxmlformats.org/drawingml/2006/main" xmlns:r="http://schemas.openxmlformats.org/officeDocument/2006/relationships" xmlns:ac="http://schemas.microsoft.com/office/drawing/2013/main/command" xmlns:pc="http://schemas.microsoft.com/office/powerpoint/2013/main/command">
+  <pc:docChgLst>
+    <pc:chgData name="Yu-Cheng Lin" userId="2281cbc768c9b62e" providerId="LiveId" clId="{31C9387D-F4F6-41FF-9E24-9302E0DD730E}"/>
+    <pc:docChg chg="modSld">
+      <pc:chgData name="Yu-Cheng Lin" userId="2281cbc768c9b62e" providerId="LiveId" clId="{31C9387D-F4F6-41FF-9E24-9302E0DD730E}" dt="2020-06-18T20:43:30.922" v="3" actId="20577"/>
+      <pc:docMkLst>
+        <pc:docMk/>
+      </pc:docMkLst>
+      <pc:sldChg chg="modSp mod">
+        <pc:chgData name="Yu-Cheng Lin" userId="2281cbc768c9b62e" providerId="LiveId" clId="{31C9387D-F4F6-41FF-9E24-9302E0DD730E}" dt="2020-06-18T20:43:30.922" v="3" actId="20577"/>
+        <pc:sldMkLst>
+          <pc:docMk/>
+          <pc:sldMk cId="3100497203" sldId="256"/>
+        </pc:sldMkLst>
+        <pc:spChg chg="mod">
+          <ac:chgData name="Yu-Cheng Lin" userId="2281cbc768c9b62e" providerId="LiveId" clId="{31C9387D-F4F6-41FF-9E24-9302E0DD730E}" dt="2020-06-18T20:43:30.922" v="3" actId="20577"/>
+          <ac:spMkLst>
+            <pc:docMk/>
+            <pc:sldMk cId="3100497203" sldId="256"/>
+            <ac:spMk id="4" creationId="{D33FBEA6-7040-434B-84CF-CD50C4F4113F}"/>
+          </ac:spMkLst>
+        </pc:spChg>
+      </pc:sldChg>
+    </pc:docChg>
+  </pc:docChgLst>
+</pc:chgInfo>
+</file>
+
 <file path=ppt/slideLayouts/slideLayout1.xml><?xml version="1.0" encoding="utf-8"?>
 <p:sldLayout xmlns:a="http://schemas.openxmlformats.org/drawingml/2006/main" xmlns:r="http://schemas.openxmlformats.org/officeDocument/2006/relationships" xmlns:p="http://schemas.openxmlformats.org/presentationml/2006/main" type="title" preserve="1">
   <p:cSld name="Title Slide">
@@ -259,7 +288,7 @@
           <a:p>
             <a:fld id="{68DB6A6C-D0BB-4EFE-B660-AA392A86A75B}" type="datetimeFigureOut">
               <a:rPr lang="en-US" smtClean="0"/>
-              <a:t>6/12/2020</a:t>
+              <a:t>6/18/2020</a:t>
             </a:fld>
             <a:endParaRPr lang="en-US"/>
           </a:p>
@@ -457,7 +486,7 @@
           <a:p>
             <a:fld id="{68DB6A6C-D0BB-4EFE-B660-AA392A86A75B}" type="datetimeFigureOut">
               <a:rPr lang="en-US" smtClean="0"/>
-              <a:t>6/12/2020</a:t>
+              <a:t>6/18/2020</a:t>
             </a:fld>
             <a:endParaRPr lang="en-US"/>
           </a:p>
@@ -665,7 +694,7 @@
           <a:p>
             <a:fld id="{68DB6A6C-D0BB-4EFE-B660-AA392A86A75B}" type="datetimeFigureOut">
               <a:rPr lang="en-US" smtClean="0"/>
-              <a:t>6/12/2020</a:t>
+              <a:t>6/18/2020</a:t>
             </a:fld>
             <a:endParaRPr lang="en-US"/>
           </a:p>
@@ -863,7 +892,7 @@
           <a:p>
             <a:fld id="{68DB6A6C-D0BB-4EFE-B660-AA392A86A75B}" type="datetimeFigureOut">
               <a:rPr lang="en-US" smtClean="0"/>
-              <a:t>6/12/2020</a:t>
+              <a:t>6/18/2020</a:t>
             </a:fld>
             <a:endParaRPr lang="en-US"/>
           </a:p>
@@ -1138,7 +1167,7 @@
           <a:p>
             <a:fld id="{68DB6A6C-D0BB-4EFE-B660-AA392A86A75B}" type="datetimeFigureOut">
               <a:rPr lang="en-US" smtClean="0"/>
-              <a:t>6/12/2020</a:t>
+              <a:t>6/18/2020</a:t>
             </a:fld>
             <a:endParaRPr lang="en-US"/>
           </a:p>
@@ -1403,7 +1432,7 @@
           <a:p>
             <a:fld id="{68DB6A6C-D0BB-4EFE-B660-AA392A86A75B}" type="datetimeFigureOut">
               <a:rPr lang="en-US" smtClean="0"/>
-              <a:t>6/12/2020</a:t>
+              <a:t>6/18/2020</a:t>
             </a:fld>
             <a:endParaRPr lang="en-US"/>
           </a:p>
@@ -1815,7 +1844,7 @@
           <a:p>
             <a:fld id="{68DB6A6C-D0BB-4EFE-B660-AA392A86A75B}" type="datetimeFigureOut">
               <a:rPr lang="en-US" smtClean="0"/>
-              <a:t>6/12/2020</a:t>
+              <a:t>6/18/2020</a:t>
             </a:fld>
             <a:endParaRPr lang="en-US"/>
           </a:p>
@@ -1956,7 +1985,7 @@
           <a:p>
             <a:fld id="{68DB6A6C-D0BB-4EFE-B660-AA392A86A75B}" type="datetimeFigureOut">
               <a:rPr lang="en-US" smtClean="0"/>
-              <a:t>6/12/2020</a:t>
+              <a:t>6/18/2020</a:t>
             </a:fld>
             <a:endParaRPr lang="en-US"/>
           </a:p>
@@ -2069,7 +2098,7 @@
           <a:p>
             <a:fld id="{68DB6A6C-D0BB-4EFE-B660-AA392A86A75B}" type="datetimeFigureOut">
               <a:rPr lang="en-US" smtClean="0"/>
-              <a:t>6/12/2020</a:t>
+              <a:t>6/18/2020</a:t>
             </a:fld>
             <a:endParaRPr lang="en-US"/>
           </a:p>
@@ -2380,7 +2409,7 @@
           <a:p>
             <a:fld id="{68DB6A6C-D0BB-4EFE-B660-AA392A86A75B}" type="datetimeFigureOut">
               <a:rPr lang="en-US" smtClean="0"/>
-              <a:t>6/12/2020</a:t>
+              <a:t>6/18/2020</a:t>
             </a:fld>
             <a:endParaRPr lang="en-US"/>
           </a:p>
@@ -2668,7 +2697,7 @@
           <a:p>
             <a:fld id="{68DB6A6C-D0BB-4EFE-B660-AA392A86A75B}" type="datetimeFigureOut">
               <a:rPr lang="en-US" smtClean="0"/>
-              <a:t>6/12/2020</a:t>
+              <a:t>6/18/2020</a:t>
             </a:fld>
             <a:endParaRPr lang="en-US"/>
           </a:p>
@@ -2909,7 +2938,7 @@
           <a:p>
             <a:fld id="{68DB6A6C-D0BB-4EFE-B660-AA392A86A75B}" type="datetimeFigureOut">
               <a:rPr lang="en-US" smtClean="0"/>
-              <a:t>6/12/2020</a:t>
+              <a:t>6/18/2020</a:t>
             </a:fld>
             <a:endParaRPr lang="en-US"/>
           </a:p>
@@ -3376,7 +3405,7 @@
         <p:spPr>
           <a:xfrm>
             <a:off x="2101197" y="4403676"/>
-            <a:ext cx="868828" cy="169277"/>
+            <a:ext cx="644407" cy="169277"/>
           </a:xfrm>
           <a:prstGeom prst="rect">
             <a:avLst/>
@@ -3397,7 +3426,7 @@
                 <a:latin typeface="Arial" panose="020B0604020202020204" pitchFamily="34" charset="0"/>
                 <a:cs typeface="Arial" panose="020B0604020202020204" pitchFamily="34" charset="0"/>
               </a:rPr>
-              <a:t>Original CDS</a:t>
+              <a:t>True CDS</a:t>
             </a:r>
           </a:p>
         </p:txBody>
